--- a/02 - Documentos de Diseño/04 - Sistemas de Scripts Visual.pptx
+++ b/02 - Documentos de Diseño/04 - Sistemas de Scripts Visual.pptx
@@ -5,7 +5,7 @@
     <p:sldMasterId id="2147483672" r:id="rId1"/>
   </p:sldMasterIdLst>
   <p:notesMasterIdLst>
-    <p:notesMasterId r:id="rId8"/>
+    <p:notesMasterId r:id="rId9"/>
   </p:notesMasterIdLst>
   <p:sldIdLst>
     <p:sldId id="291" r:id="rId2"/>
@@ -14,6 +14,7 @@
     <p:sldId id="553" r:id="rId5"/>
     <p:sldId id="555" r:id="rId6"/>
     <p:sldId id="554" r:id="rId7"/>
+    <p:sldId id="556" r:id="rId8"/>
   </p:sldIdLst>
   <p:sldSz cx="28800425" cy="6858000"/>
   <p:notesSz cx="6858000" cy="9144000"/>
@@ -127,6 +128,7 @@
             <p14:sldId id="553"/>
             <p14:sldId id="555"/>
             <p14:sldId id="554"/>
+            <p14:sldId id="556"/>
           </p14:sldIdLst>
         </p14:section>
       </p14:sectionLst>
@@ -243,7 +245,7 @@
           <a:p>
             <a:fld id="{31015760-0B9D-4962-8806-24A71FF7CB38}" type="datetimeFigureOut">
               <a:rPr lang="es-ES" smtClean="0"/>
-              <a:t>09/04/2025</a:t>
+              <a:t>29/04/2025</a:t>
             </a:fld>
             <a:endParaRPr lang="es-ES"/>
           </a:p>
@@ -955,6 +957,95 @@
 </p:notes>
 </file>
 
+<file path=ppt/notesSlides/notesSlide6.xml><?xml version="1.0" encoding="utf-8"?>
+<p:notes xmlns:a="http://schemas.openxmlformats.org/drawingml/2006/main" xmlns:r="http://schemas.openxmlformats.org/officeDocument/2006/relationships" xmlns:p="http://schemas.openxmlformats.org/presentationml/2006/main">
+  <p:cSld>
+    <p:spTree>
+      <p:nvGrpSpPr>
+        <p:cNvPr id="1" name=""/>
+        <p:cNvGrpSpPr/>
+        <p:nvPr/>
+      </p:nvGrpSpPr>
+      <p:grpSpPr>
+        <a:xfrm>
+          <a:off x="0" y="0"/>
+          <a:ext cx="0" cy="0"/>
+          <a:chOff x="0" y="0"/>
+          <a:chExt cx="0" cy="0"/>
+        </a:xfrm>
+      </p:grpSpPr>
+      <p:sp>
+        <p:nvSpPr>
+          <p:cNvPr id="2" name="Marcador de imagen de diapositiva 1"/>
+          <p:cNvSpPr>
+            <a:spLocks noGrp="1" noRot="1" noChangeAspect="1"/>
+          </p:cNvSpPr>
+          <p:nvPr>
+            <p:ph type="sldImg"/>
+          </p:nvPr>
+        </p:nvSpPr>
+        <p:spPr>
+          <a:xfrm>
+            <a:off x="-3051175" y="1143000"/>
+            <a:ext cx="12960350" cy="3086100"/>
+          </a:xfrm>
+        </p:spPr>
+      </p:sp>
+      <p:sp>
+        <p:nvSpPr>
+          <p:cNvPr id="3" name="Marcador de notas 2"/>
+          <p:cNvSpPr>
+            <a:spLocks noGrp="1"/>
+          </p:cNvSpPr>
+          <p:nvPr>
+            <p:ph type="body" idx="1"/>
+          </p:nvPr>
+        </p:nvSpPr>
+        <p:spPr/>
+        <p:txBody>
+          <a:bodyPr/>
+          <a:lstStyle/>
+          <a:p>
+            <a:endParaRPr lang="es-UY" dirty="0"/>
+          </a:p>
+        </p:txBody>
+      </p:sp>
+      <p:sp>
+        <p:nvSpPr>
+          <p:cNvPr id="4" name="Marcador de número de diapositiva 3"/>
+          <p:cNvSpPr>
+            <a:spLocks noGrp="1"/>
+          </p:cNvSpPr>
+          <p:nvPr>
+            <p:ph type="sldNum" sz="quarter" idx="5"/>
+          </p:nvPr>
+        </p:nvSpPr>
+        <p:spPr/>
+        <p:txBody>
+          <a:bodyPr/>
+          <a:lstStyle/>
+          <a:p>
+            <a:fld id="{9F23F2D7-B2A1-490D-91DD-A42768B2402D}" type="slidenum">
+              <a:rPr lang="es-ES" smtClean="0"/>
+              <a:t>7</a:t>
+            </a:fld>
+            <a:endParaRPr lang="es-ES" dirty="0"/>
+          </a:p>
+        </p:txBody>
+      </p:sp>
+    </p:spTree>
+    <p:extLst>
+      <p:ext uri="{BB962C8B-B14F-4D97-AF65-F5344CB8AC3E}">
+        <p14:creationId xmlns:p14="http://schemas.microsoft.com/office/powerpoint/2010/main" val="578749353"/>
+      </p:ext>
+    </p:extLst>
+  </p:cSld>
+  <p:clrMapOvr>
+    <a:masterClrMapping/>
+  </p:clrMapOvr>
+</p:notes>
+</file>
+
 <file path=ppt/slideLayouts/slideLayout1.xml><?xml version="1.0" encoding="utf-8"?>
 <p:sldLayout xmlns:a="http://schemas.openxmlformats.org/drawingml/2006/main" xmlns:r="http://schemas.openxmlformats.org/officeDocument/2006/relationships" xmlns:p="http://schemas.openxmlformats.org/presentationml/2006/main" type="title" preserve="1">
   <p:cSld name="Diapositiva de título">
@@ -1086,7 +1177,7 @@
           <a:p>
             <a:fld id="{3519C4E0-327D-4001-842B-6143C18E08C1}" type="datetimeFigureOut">
               <a:rPr lang="es-UY" smtClean="0"/>
-              <a:t>9/4/2025</a:t>
+              <a:t>29/4/2025</a:t>
             </a:fld>
             <a:endParaRPr lang="es-UY"/>
           </a:p>
@@ -1256,7 +1347,7 @@
           <a:p>
             <a:fld id="{3519C4E0-327D-4001-842B-6143C18E08C1}" type="datetimeFigureOut">
               <a:rPr lang="es-UY" smtClean="0"/>
-              <a:t>9/4/2025</a:t>
+              <a:t>29/4/2025</a:t>
             </a:fld>
             <a:endParaRPr lang="es-UY"/>
           </a:p>
@@ -1436,7 +1527,7 @@
           <a:p>
             <a:fld id="{3519C4E0-327D-4001-842B-6143C18E08C1}" type="datetimeFigureOut">
               <a:rPr lang="es-UY" smtClean="0"/>
-              <a:t>9/4/2025</a:t>
+              <a:t>29/4/2025</a:t>
             </a:fld>
             <a:endParaRPr lang="es-UY"/>
           </a:p>
@@ -1606,7 +1697,7 @@
           <a:p>
             <a:fld id="{3519C4E0-327D-4001-842B-6143C18E08C1}" type="datetimeFigureOut">
               <a:rPr lang="es-UY" smtClean="0"/>
-              <a:t>9/4/2025</a:t>
+              <a:t>29/4/2025</a:t>
             </a:fld>
             <a:endParaRPr lang="es-UY"/>
           </a:p>
@@ -1852,7 +1943,7 @@
           <a:p>
             <a:fld id="{3519C4E0-327D-4001-842B-6143C18E08C1}" type="datetimeFigureOut">
               <a:rPr lang="es-UY" smtClean="0"/>
-              <a:t>9/4/2025</a:t>
+              <a:t>29/4/2025</a:t>
             </a:fld>
             <a:endParaRPr lang="es-UY"/>
           </a:p>
@@ -2084,7 +2175,7 @@
           <a:p>
             <a:fld id="{3519C4E0-327D-4001-842B-6143C18E08C1}" type="datetimeFigureOut">
               <a:rPr lang="es-UY" smtClean="0"/>
-              <a:t>9/4/2025</a:t>
+              <a:t>29/4/2025</a:t>
             </a:fld>
             <a:endParaRPr lang="es-UY"/>
           </a:p>
@@ -2451,7 +2542,7 @@
           <a:p>
             <a:fld id="{3519C4E0-327D-4001-842B-6143C18E08C1}" type="datetimeFigureOut">
               <a:rPr lang="es-UY" smtClean="0"/>
-              <a:t>9/4/2025</a:t>
+              <a:t>29/4/2025</a:t>
             </a:fld>
             <a:endParaRPr lang="es-UY"/>
           </a:p>
@@ -2569,7 +2660,7 @@
           <a:p>
             <a:fld id="{3519C4E0-327D-4001-842B-6143C18E08C1}" type="datetimeFigureOut">
               <a:rPr lang="es-UY" smtClean="0"/>
-              <a:t>9/4/2025</a:t>
+              <a:t>29/4/2025</a:t>
             </a:fld>
             <a:endParaRPr lang="es-UY"/>
           </a:p>
@@ -2664,7 +2755,7 @@
           <a:p>
             <a:fld id="{3519C4E0-327D-4001-842B-6143C18E08C1}" type="datetimeFigureOut">
               <a:rPr lang="es-UY" smtClean="0"/>
-              <a:t>9/4/2025</a:t>
+              <a:t>29/4/2025</a:t>
             </a:fld>
             <a:endParaRPr lang="es-UY"/>
           </a:p>
@@ -2941,7 +3032,7 @@
           <a:p>
             <a:fld id="{3519C4E0-327D-4001-842B-6143C18E08C1}" type="datetimeFigureOut">
               <a:rPr lang="es-UY" smtClean="0"/>
-              <a:t>9/4/2025</a:t>
+              <a:t>29/4/2025</a:t>
             </a:fld>
             <a:endParaRPr lang="es-UY"/>
           </a:p>
@@ -3198,7 +3289,7 @@
           <a:p>
             <a:fld id="{3519C4E0-327D-4001-842B-6143C18E08C1}" type="datetimeFigureOut">
               <a:rPr lang="es-UY" smtClean="0"/>
-              <a:t>9/4/2025</a:t>
+              <a:t>29/4/2025</a:t>
             </a:fld>
             <a:endParaRPr lang="es-UY"/>
           </a:p>
@@ -3411,7 +3502,7 @@
           <a:p>
             <a:fld id="{3519C4E0-327D-4001-842B-6143C18E08C1}" type="datetimeFigureOut">
               <a:rPr lang="es-UY" smtClean="0"/>
-              <a:t>9/4/2025</a:t>
+              <a:t>29/4/2025</a:t>
             </a:fld>
             <a:endParaRPr lang="es-UY"/>
           </a:p>
@@ -13102,6 +13193,204 @@
     <p:extLst>
       <p:ext uri="{BB962C8B-B14F-4D97-AF65-F5344CB8AC3E}">
         <p14:creationId xmlns:p14="http://schemas.microsoft.com/office/powerpoint/2010/main" val="3257917135"/>
+      </p:ext>
+    </p:extLst>
+  </p:cSld>
+  <p:clrMapOvr>
+    <a:masterClrMapping/>
+  </p:clrMapOvr>
+</p:sld>
+</file>
+
+<file path=ppt/slides/slide7.xml><?xml version="1.0" encoding="utf-8"?>
+<p:sld xmlns:a="http://schemas.openxmlformats.org/drawingml/2006/main" xmlns:r="http://schemas.openxmlformats.org/officeDocument/2006/relationships" xmlns:p="http://schemas.openxmlformats.org/presentationml/2006/main">
+  <p:cSld>
+    <p:spTree>
+      <p:nvGrpSpPr>
+        <p:cNvPr id="1" name=""/>
+        <p:cNvGrpSpPr/>
+        <p:nvPr/>
+      </p:nvGrpSpPr>
+      <p:grpSpPr>
+        <a:xfrm>
+          <a:off x="0" y="0"/>
+          <a:ext cx="0" cy="0"/>
+          <a:chOff x="0" y="0"/>
+          <a:chExt cx="0" cy="0"/>
+        </a:xfrm>
+      </p:grpSpPr>
+      <p:sp>
+        <p:nvSpPr>
+          <p:cNvPr id="6" name="Rectángulo: esquinas redondeadas 5">
+            <a:extLst>
+              <a:ext uri="{FF2B5EF4-FFF2-40B4-BE49-F238E27FC236}">
+                <a16:creationId xmlns:a16="http://schemas.microsoft.com/office/drawing/2014/main" id="{9FDA4CC4-0F47-4B41-92EC-8526BA0C57AC}"/>
+              </a:ext>
+            </a:extLst>
+          </p:cNvPr>
+          <p:cNvSpPr/>
+          <p:nvPr/>
+        </p:nvSpPr>
+        <p:spPr>
+          <a:xfrm>
+            <a:off x="99197" y="64618"/>
+            <a:ext cx="11879999" cy="900000"/>
+          </a:xfrm>
+          <a:prstGeom prst="roundRect">
+            <a:avLst/>
+          </a:prstGeom>
+          <a:solidFill>
+            <a:schemeClr val="tx1"/>
+          </a:solidFill>
+          <a:ln>
+            <a:noFill/>
+          </a:ln>
+        </p:spPr>
+        <p:style>
+          <a:lnRef idx="2">
+            <a:schemeClr val="accent1">
+              <a:shade val="50000"/>
+            </a:schemeClr>
+          </a:lnRef>
+          <a:fillRef idx="1">
+            <a:schemeClr val="accent1"/>
+          </a:fillRef>
+          <a:effectRef idx="0">
+            <a:schemeClr val="accent1"/>
+          </a:effectRef>
+          <a:fontRef idx="minor">
+            <a:schemeClr val="lt1"/>
+          </a:fontRef>
+        </p:style>
+        <p:txBody>
+          <a:bodyPr rtlCol="0" anchor="ctr"/>
+          <a:lstStyle/>
+          <a:p>
+            <a:pPr algn="ctr"/>
+            <a:r>
+              <a:rPr lang="es-UY" sz="6600" dirty="0">
+                <a:latin typeface="Times New Roman" panose="02020603050405020304" pitchFamily="18" charset="0"/>
+                <a:cs typeface="Times New Roman" panose="02020603050405020304" pitchFamily="18" charset="0"/>
+              </a:rPr>
+              <a:t>3. Cámara</a:t>
+            </a:r>
+          </a:p>
+        </p:txBody>
+      </p:sp>
+      <p:sp>
+        <p:nvSpPr>
+          <p:cNvPr id="2" name="Rectángulo 1">
+            <a:extLst>
+              <a:ext uri="{FF2B5EF4-FFF2-40B4-BE49-F238E27FC236}">
+                <a16:creationId xmlns:a16="http://schemas.microsoft.com/office/drawing/2014/main" id="{8E50441A-800A-4F47-B15D-22B859C59413}"/>
+              </a:ext>
+            </a:extLst>
+          </p:cNvPr>
+          <p:cNvSpPr/>
+          <p:nvPr/>
+        </p:nvSpPr>
+        <p:spPr>
+          <a:xfrm>
+            <a:off x="99197" y="1287624"/>
+            <a:ext cx="4547448" cy="3079103"/>
+          </a:xfrm>
+          <a:prstGeom prst="rect">
+            <a:avLst/>
+          </a:prstGeom>
+          <a:solidFill>
+            <a:schemeClr val="accent6"/>
+          </a:solidFill>
+          <a:ln>
+            <a:solidFill>
+              <a:schemeClr val="accent6">
+                <a:lumMod val="50000"/>
+              </a:schemeClr>
+            </a:solidFill>
+          </a:ln>
+        </p:spPr>
+        <p:style>
+          <a:lnRef idx="2">
+            <a:schemeClr val="accent1">
+              <a:shade val="50000"/>
+            </a:schemeClr>
+          </a:lnRef>
+          <a:fillRef idx="1">
+            <a:schemeClr val="accent1"/>
+          </a:fillRef>
+          <a:effectRef idx="0">
+            <a:schemeClr val="accent1"/>
+          </a:effectRef>
+          <a:fontRef idx="minor">
+            <a:schemeClr val="lt1"/>
+          </a:fontRef>
+        </p:style>
+        <p:txBody>
+          <a:bodyPr rtlCol="0" anchor="ctr"/>
+          <a:lstStyle/>
+          <a:p>
+            <a:pPr algn="just"/>
+            <a:r>
+              <a:rPr lang="es-UY" sz="2000" b="1" dirty="0"/>
+              <a:t>Script</a:t>
+            </a:r>
+          </a:p>
+          <a:p>
+            <a:pPr marL="571500" indent="-571500" algn="just">
+              <a:buFontTx/>
+              <a:buChar char="-"/>
+            </a:pPr>
+            <a:r>
+              <a:rPr lang="es-UY" sz="2000" dirty="0"/>
+              <a:t>Es un Trigger</a:t>
+            </a:r>
+          </a:p>
+          <a:p>
+            <a:pPr marL="571500" indent="-571500" algn="just">
+              <a:buFontTx/>
+              <a:buChar char="-"/>
+            </a:pPr>
+            <a:r>
+              <a:rPr lang="es-UY" sz="2000" dirty="0"/>
+              <a:t>Rotación Jugador – Valor 1-2</a:t>
+            </a:r>
+          </a:p>
+          <a:p>
+            <a:pPr marL="571500" indent="-571500" algn="just">
+              <a:buFontTx/>
+              <a:buChar char="-"/>
+            </a:pPr>
+            <a:r>
+              <a:rPr lang="es-UY" sz="2000" dirty="0"/>
+              <a:t>Posición Cámara – Valor 3-4</a:t>
+            </a:r>
+          </a:p>
+          <a:p>
+            <a:pPr marL="571500" indent="-571500" algn="just">
+              <a:buFontTx/>
+              <a:buChar char="-"/>
+            </a:pPr>
+            <a:r>
+              <a:rPr lang="es-UY" sz="2000" dirty="0"/>
+              <a:t>Rotación Cámara – Valor 5-6</a:t>
+            </a:r>
+          </a:p>
+          <a:p>
+            <a:pPr algn="just"/>
+            <a:r>
+              <a:rPr lang="es-UY" sz="2000" b="1" dirty="0"/>
+              <a:t>Descripción: </a:t>
+            </a:r>
+            <a:r>
+              <a:rPr lang="es-UY" sz="2000" dirty="0"/>
+              <a:t>Es un Trigger, mientras mas a la izquierda esta el se aplican los valores 1,3 y 5, y mientras mas a la derecha esta el se aplican los valores 2,4 y 6.</a:t>
+            </a:r>
+          </a:p>
+        </p:txBody>
+      </p:sp>
+    </p:spTree>
+    <p:extLst>
+      <p:ext uri="{BB962C8B-B14F-4D97-AF65-F5344CB8AC3E}">
+        <p14:creationId xmlns:p14="http://schemas.microsoft.com/office/powerpoint/2010/main" val="438914222"/>
       </p:ext>
     </p:extLst>
   </p:cSld>
